--- a/models-comp-comm/slide_presentations/.hidden/instruction-set-architecture.pptx
+++ b/models-comp-comm/slide_presentations/.hidden/instruction-set-architecture.pptx
@@ -16935,6 +16935,18 @@
               </a:rPr>
               <a:t>  $a0, $a1, 4      #  $a0 = $a1 &gt;&gt;&gt; 4</a:t>
             </a:r>
+          </a:p>
+          <a:p>
+            <a:pPr marL="610235" lvl="1" indent="0" algn="l" rtl="0">
+              <a:spcBef>
+                <a:spcPts val="0"/>
+              </a:spcBef>
+              <a:spcAft>
+                <a:spcPts val="0"/>
+              </a:spcAft>
+              <a:buSzPct val="100000"/>
+              <a:buNone/>
+            </a:pPr>
             <a:endParaRPr sz="1200" dirty="0">
               <a:latin typeface="Source Code Pro"/>
               <a:ea typeface="Source Code Pro"/>
@@ -16963,14 +16975,6 @@
               </a:rPr>
               <a:t>li   $t0, 4           #  $t0 = 4</a:t>
             </a:r>
-            <a:br>
-              <a:rPr lang="en" sz="1200" dirty="0">
-                <a:latin typeface="Source Code Pro"/>
-                <a:ea typeface="Source Code Pro"/>
-                <a:cs typeface="Source Code Pro"/>
-                <a:sym typeface="Source Code Pro"/>
-              </a:rPr>
-            </a:br>
             <a:endParaRPr sz="1200" dirty="0">
               <a:latin typeface="Source Code Pro"/>
               <a:ea typeface="Source Code Pro"/>
@@ -18219,10 +18223,10 @@
               <a:buChar char="●"/>
             </a:pPr>
             <a:r>
-              <a:rPr lang="en" sz="1325"/>
+              <a:rPr lang="en" sz="1325" dirty="0"/>
               <a:t>native instructions: </a:t>
             </a:r>
-            <a:endParaRPr sz="1325"/>
+            <a:endParaRPr sz="1325" dirty="0"/>
           </a:p>
           <a:p>
             <a:pPr marL="914400" lvl="1" indent="-296862" algn="l" rtl="0">
@@ -18239,10 +18243,10 @@
               <a:buChar char="○"/>
             </a:pPr>
             <a:r>
-              <a:rPr lang="en" sz="1075"/>
+              <a:rPr lang="en" sz="1075" dirty="0"/>
               <a:t>defined by the ISA, directly corresponds to a hardware operation </a:t>
             </a:r>
-            <a:endParaRPr sz="1075"/>
+            <a:endParaRPr sz="1075" dirty="0"/>
           </a:p>
           <a:p>
             <a:pPr marL="457200" lvl="0" indent="-312737" algn="l" rtl="0">
@@ -18259,10 +18263,10 @@
               <a:buChar char="●"/>
             </a:pPr>
             <a:r>
-              <a:rPr lang="en" sz="1325"/>
+              <a:rPr lang="en" sz="1325" dirty="0"/>
               <a:t>idioms:</a:t>
             </a:r>
-            <a:endParaRPr sz="1325"/>
+            <a:endParaRPr sz="1325" dirty="0"/>
           </a:p>
           <a:p>
             <a:pPr marL="914400" lvl="1" indent="-296862" algn="l" rtl="0">
@@ -18279,10 +18283,10 @@
               <a:buChar char="○"/>
             </a:pPr>
             <a:r>
-              <a:rPr lang="en" sz="1075"/>
+              <a:rPr lang="en" sz="1075" dirty="0"/>
               <a:t>defined by the ISA, an alternate form of a hardware instruction</a:t>
             </a:r>
-            <a:endParaRPr sz="1075"/>
+            <a:endParaRPr sz="1075" dirty="0"/>
           </a:p>
           <a:p>
             <a:pPr marL="914400" lvl="1" indent="-296862" algn="l" rtl="0">
@@ -18300,7 +18304,7 @@
               <a:buChar char="○"/>
             </a:pPr>
             <a:r>
-              <a:rPr lang="en" sz="1075">
+              <a:rPr lang="en" sz="1075" dirty="0">
                 <a:latin typeface="Source Code Pro"/>
                 <a:ea typeface="Source Code Pro"/>
                 <a:cs typeface="Source Code Pro"/>
@@ -18308,7 +18312,7 @@
               </a:rPr>
               <a:t>b label</a:t>
             </a:r>
-            <a:endParaRPr sz="1075">
+            <a:endParaRPr sz="1075" dirty="0">
               <a:latin typeface="Source Code Pro"/>
               <a:ea typeface="Source Code Pro"/>
               <a:cs typeface="Source Code Pro"/>
@@ -18331,15 +18335,24 @@
               <a:buChar char="■"/>
             </a:pPr>
             <a:r>
-              <a:rPr lang="en" sz="1075">
+              <a:rPr lang="en" sz="1075" dirty="0" err="1">
                 <a:latin typeface="Source Code Pro"/>
                 <a:ea typeface="Source Code Pro"/>
                 <a:cs typeface="Source Code Pro"/>
                 <a:sym typeface="Source Code Pro"/>
               </a:rPr>
-              <a:t>beq $zero, $zero, label</a:t>
-            </a:r>
-            <a:endParaRPr sz="1075">
+              <a:t>beq</a:t>
+            </a:r>
+            <a:r>
+              <a:rPr lang="en" sz="1075" dirty="0">
+                <a:latin typeface="Source Code Pro"/>
+                <a:ea typeface="Source Code Pro"/>
+                <a:cs typeface="Source Code Pro"/>
+                <a:sym typeface="Source Code Pro"/>
+              </a:rPr>
+              <a:t> $zero, $zero, label</a:t>
+            </a:r>
+            <a:endParaRPr sz="1075" dirty="0">
               <a:latin typeface="Source Code Pro"/>
               <a:ea typeface="Source Code Pro"/>
               <a:cs typeface="Source Code Pro"/>
@@ -18361,10 +18374,10 @@
               <a:buChar char="●"/>
             </a:pPr>
             <a:r>
-              <a:rPr lang="en" sz="1325"/>
+              <a:rPr lang="en" sz="1325" dirty="0"/>
               <a:t>pseudo instructions:</a:t>
             </a:r>
-            <a:endParaRPr sz="1325"/>
+            <a:endParaRPr sz="1325" dirty="0"/>
           </a:p>
           <a:p>
             <a:pPr marL="914400" lvl="1" indent="-296862" algn="l" rtl="0">
@@ -18381,10 +18394,10 @@
               <a:buChar char="○"/>
             </a:pPr>
             <a:r>
-              <a:rPr lang="en" sz="1075"/>
+              <a:rPr lang="en" sz="1075" dirty="0"/>
               <a:t>an alternate syntactic form of an instruction</a:t>
             </a:r>
-            <a:endParaRPr sz="1075"/>
+            <a:endParaRPr sz="1075" dirty="0"/>
           </a:p>
           <a:p>
             <a:pPr marL="914400" lvl="1" indent="-296862" algn="l" rtl="0">
@@ -18401,10 +18414,10 @@
               <a:buChar char="○"/>
             </a:pPr>
             <a:r>
-              <a:rPr lang="en" sz="1075"/>
+              <a:rPr lang="en" sz="1075" dirty="0"/>
               <a:t>pseudo instruction is textual replaced with native instruction</a:t>
             </a:r>
-            <a:endParaRPr sz="1075"/>
+            <a:endParaRPr sz="1075" dirty="0"/>
           </a:p>
           <a:p>
             <a:pPr marL="914400" lvl="1" indent="-296862" algn="l" rtl="0">
@@ -18422,15 +18435,33 @@
               <a:buChar char="○"/>
             </a:pPr>
             <a:r>
-              <a:rPr lang="en" sz="1075">
+              <a:rPr lang="en" sz="1075" dirty="0" err="1">
                 <a:latin typeface="Source Code Pro"/>
                 <a:ea typeface="Source Code Pro"/>
                 <a:cs typeface="Source Code Pro"/>
                 <a:sym typeface="Source Code Pro"/>
               </a:rPr>
-              <a:t>lb $t1, label+offset</a:t>
-            </a:r>
-            <a:endParaRPr sz="1075">
+              <a:t>lb</a:t>
+            </a:r>
+            <a:r>
+              <a:rPr lang="en" sz="1075" dirty="0">
+                <a:latin typeface="Source Code Pro"/>
+                <a:ea typeface="Source Code Pro"/>
+                <a:cs typeface="Source Code Pro"/>
+                <a:sym typeface="Source Code Pro"/>
+              </a:rPr>
+              <a:t> $t1, </a:t>
+            </a:r>
+            <a:r>
+              <a:rPr lang="en" sz="1075" dirty="0" err="1">
+                <a:latin typeface="Source Code Pro"/>
+                <a:ea typeface="Source Code Pro"/>
+                <a:cs typeface="Source Code Pro"/>
+                <a:sym typeface="Source Code Pro"/>
+              </a:rPr>
+              <a:t>label+offset</a:t>
+            </a:r>
+            <a:endParaRPr sz="1075" dirty="0">
               <a:latin typeface="Source Code Pro"/>
               <a:ea typeface="Source Code Pro"/>
               <a:cs typeface="Source Code Pro"/>
@@ -18453,15 +18484,24 @@
               <a:buChar char="■"/>
             </a:pPr>
             <a:r>
-              <a:rPr lang="en" sz="1075">
+              <a:rPr lang="en" sz="1075" dirty="0" err="1">
                 <a:latin typeface="Source Code Pro"/>
                 <a:ea typeface="Source Code Pro"/>
                 <a:cs typeface="Source Code Pro"/>
                 <a:sym typeface="Source Code Pro"/>
               </a:rPr>
-              <a:t>lui $at, &amp;label</a:t>
-            </a:r>
-            <a:endParaRPr sz="1075">
+              <a:t>lui</a:t>
+            </a:r>
+            <a:r>
+              <a:rPr lang="en" sz="1075" dirty="0">
+                <a:latin typeface="Source Code Pro"/>
+                <a:ea typeface="Source Code Pro"/>
+                <a:cs typeface="Source Code Pro"/>
+                <a:sym typeface="Source Code Pro"/>
+              </a:rPr>
+              <a:t> $at, &amp;label</a:t>
+            </a:r>
+            <a:endParaRPr sz="1075" dirty="0">
               <a:latin typeface="Source Code Pro"/>
               <a:ea typeface="Source Code Pro"/>
               <a:cs typeface="Source Code Pro"/>
@@ -18484,15 +18524,24 @@
               <a:buChar char="■"/>
             </a:pPr>
             <a:r>
-              <a:rPr lang="en" sz="1075">
+              <a:rPr lang="en" sz="1075" dirty="0" err="1">
                 <a:latin typeface="Source Code Pro"/>
                 <a:ea typeface="Source Code Pro"/>
                 <a:cs typeface="Source Code Pro"/>
                 <a:sym typeface="Source Code Pro"/>
               </a:rPr>
-              <a:t>lb $t1, offset($at)</a:t>
-            </a:r>
-            <a:endParaRPr sz="1075">
+              <a:t>lb</a:t>
+            </a:r>
+            <a:r>
+              <a:rPr lang="en" sz="1075" dirty="0">
+                <a:latin typeface="Source Code Pro"/>
+                <a:ea typeface="Source Code Pro"/>
+                <a:cs typeface="Source Code Pro"/>
+                <a:sym typeface="Source Code Pro"/>
+              </a:rPr>
+              <a:t> $t1, offset($at)</a:t>
+            </a:r>
+            <a:endParaRPr sz="1075" dirty="0">
               <a:latin typeface="Source Code Pro"/>
               <a:ea typeface="Source Code Pro"/>
               <a:cs typeface="Source Code Pro"/>
@@ -18514,10 +18563,10 @@
               <a:buChar char="●"/>
             </a:pPr>
             <a:r>
-              <a:rPr lang="en" sz="1325"/>
+              <a:rPr lang="en" sz="1325" dirty="0"/>
               <a:t>macros:</a:t>
             </a:r>
-            <a:endParaRPr sz="1325"/>
+            <a:endParaRPr sz="1325" dirty="0"/>
           </a:p>
           <a:p>
             <a:pPr marL="914400" lvl="1" indent="-296862" algn="l" rtl="0">
@@ -18534,10 +18583,10 @@
               <a:buChar char="○"/>
             </a:pPr>
             <a:r>
-              <a:rPr lang="en" sz="1075"/>
+              <a:rPr lang="en" sz="1075" dirty="0"/>
               <a:t>user-defined pseudo instruction</a:t>
             </a:r>
-            <a:endParaRPr sz="1075"/>
+            <a:endParaRPr sz="1075" dirty="0"/>
           </a:p>
           <a:p>
             <a:pPr marL="1371600" lvl="2" indent="-296862" algn="l" rtl="0">
@@ -18555,7 +18604,7 @@
               <a:buChar char="■"/>
             </a:pPr>
             <a:r>
-              <a:rPr lang="en" sz="1075">
+              <a:rPr lang="en" sz="1075" dirty="0">
                 <a:latin typeface="Source Code Pro"/>
                 <a:ea typeface="Source Code Pro"/>
                 <a:cs typeface="Source Code Pro"/>
@@ -18563,7 +18612,7 @@
               </a:rPr>
               <a:t>average $v0, $t2, $t3</a:t>
             </a:r>
-            <a:endParaRPr sz="1075">
+            <a:endParaRPr sz="1075" dirty="0">
               <a:latin typeface="Source Code Pro"/>
               <a:ea typeface="Source Code Pro"/>
               <a:cs typeface="Source Code Pro"/>
@@ -18586,7 +18635,7 @@
               <a:buChar char="■"/>
             </a:pPr>
             <a:r>
-              <a:rPr lang="en" sz="1075">
+              <a:rPr lang="en" sz="1075" dirty="0">
                 <a:latin typeface="Source Code Pro"/>
                 <a:ea typeface="Source Code Pro"/>
                 <a:cs typeface="Source Code Pro"/>
@@ -18594,7 +18643,7 @@
               </a:rPr>
               <a:t>average($v0, $t2, $t3)</a:t>
             </a:r>
-            <a:endParaRPr sz="1075">
+            <a:endParaRPr sz="1075" dirty="0">
               <a:latin typeface="Source Code Pro"/>
               <a:ea typeface="Source Code Pro"/>
               <a:cs typeface="Source Code Pro"/>
@@ -18616,10 +18665,10 @@
               <a:buChar char="●"/>
             </a:pPr>
             <a:r>
-              <a:rPr lang="en" sz="1325"/>
+              <a:rPr lang="en" sz="1325" dirty="0"/>
               <a:t>subroutines</a:t>
             </a:r>
-            <a:endParaRPr sz="1325"/>
+            <a:endParaRPr sz="1325" dirty="0"/>
           </a:p>
           <a:p>
             <a:pPr marL="914400" lvl="1" indent="-296862" algn="l" rtl="0">
@@ -18636,10 +18685,10 @@
               <a:buChar char="○"/>
             </a:pPr>
             <a:r>
-              <a:rPr lang="en" sz="1075"/>
+              <a:rPr lang="en" sz="1075" dirty="0"/>
               <a:t>user defined abstraction, resulting</a:t>
             </a:r>
-            <a:endParaRPr sz="1075"/>
+            <a:endParaRPr sz="1075" dirty="0"/>
           </a:p>
           <a:p>
             <a:pPr marL="1371600" lvl="2" indent="-296862" algn="l" rtl="0">
@@ -18656,15 +18705,24 @@
               <a:buChar char="■"/>
             </a:pPr>
             <a:r>
-              <a:rPr lang="en" sz="1075">
+              <a:rPr lang="en" sz="1075" dirty="0" err="1">
                 <a:latin typeface="Source Code Pro"/>
                 <a:ea typeface="Source Code Pro"/>
                 <a:cs typeface="Source Code Pro"/>
                 <a:sym typeface="Source Code Pro"/>
               </a:rPr>
-              <a:t>jal subroutine</a:t>
-            </a:r>
-            <a:endParaRPr sz="1075">
+              <a:t>jal</a:t>
+            </a:r>
+            <a:r>
+              <a:rPr lang="en" sz="1075" dirty="0">
+                <a:latin typeface="Source Code Pro"/>
+                <a:ea typeface="Source Code Pro"/>
+                <a:cs typeface="Source Code Pro"/>
+                <a:sym typeface="Source Code Pro"/>
+              </a:rPr>
+              <a:t> subroutine</a:t>
+            </a:r>
+            <a:endParaRPr sz="1075" dirty="0">
               <a:latin typeface="Source Code Pro"/>
               <a:ea typeface="Source Code Pro"/>
               <a:cs typeface="Source Code Pro"/>
@@ -18686,7 +18744,7 @@
               <a:buChar char="■"/>
             </a:pPr>
             <a:r>
-              <a:rPr lang="en" sz="1075">
+              <a:rPr lang="en" sz="1075" dirty="0" err="1">
                 <a:latin typeface="Source Code Pro"/>
                 <a:ea typeface="Source Code Pro"/>
                 <a:cs typeface="Source Code Pro"/>
@@ -18694,7 +18752,7 @@
               </a:rPr>
               <a:t>nop</a:t>
             </a:r>
-            <a:endParaRPr sz="1075">
+            <a:endParaRPr sz="1075" dirty="0">
               <a:latin typeface="Source Code Pro"/>
               <a:ea typeface="Source Code Pro"/>
               <a:cs typeface="Source Code Pro"/>
@@ -18716,10 +18774,10 @@
               <a:buChar char="○"/>
             </a:pPr>
             <a:r>
-              <a:rPr lang="en" sz="1075"/>
+              <a:rPr lang="en" sz="1075" dirty="0"/>
               <a:t>a change in control-flow</a:t>
             </a:r>
-            <a:endParaRPr sz="1075"/>
+            <a:endParaRPr sz="1075" dirty="0"/>
           </a:p>
           <a:p>
             <a:pPr marL="914400" lvl="1" indent="-296862" algn="l" rtl="0">
@@ -18736,10 +18794,10 @@
               <a:buChar char="○"/>
             </a:pPr>
             <a:r>
-              <a:rPr lang="en" sz="1075"/>
+              <a:rPr lang="en" sz="1075" dirty="0"/>
               <a:t>a ownership of registers</a:t>
             </a:r>
-            <a:endParaRPr sz="1075">
+            <a:endParaRPr sz="1075" dirty="0">
               <a:latin typeface="Source Code Pro"/>
               <a:ea typeface="Source Code Pro"/>
               <a:cs typeface="Source Code Pro"/>
@@ -18794,7 +18852,7 @@
               <a:buNone/>
             </a:pPr>
             <a:r>
-              <a:rPr lang="en" sz="1200">
+              <a:rPr lang="en" sz="1200" dirty="0">
                 <a:latin typeface="Source Code Pro"/>
                 <a:ea typeface="Source Code Pro"/>
                 <a:cs typeface="Source Code Pro"/>
@@ -18803,7 +18861,7 @@
               <a:t>.macro average(%d, %s, %t)</a:t>
             </a:r>
             <a:br>
-              <a:rPr lang="en" sz="1200">
+              <a:rPr lang="en" sz="1200" dirty="0">
                 <a:latin typeface="Source Code Pro"/>
                 <a:ea typeface="Source Code Pro"/>
                 <a:cs typeface="Source Code Pro"/>
@@ -18811,15 +18869,33 @@
               </a:rPr>
             </a:br>
             <a:r>
-              <a:rPr lang="en" sz="1200">
+              <a:rPr lang="en" sz="1200" dirty="0">
                 <a:latin typeface="Source Code Pro"/>
                 <a:ea typeface="Source Code Pro"/>
                 <a:cs typeface="Source Code Pro"/>
                 <a:sym typeface="Source Code Pro"/>
               </a:rPr>
-              <a:t>    addu %d, %s, %t</a:t>
-            </a:r>
-            <a:endParaRPr sz="1200">
+              <a:t>    </a:t>
+            </a:r>
+            <a:r>
+              <a:rPr lang="en" sz="1200" dirty="0" err="1">
+                <a:latin typeface="Source Code Pro"/>
+                <a:ea typeface="Source Code Pro"/>
+                <a:cs typeface="Source Code Pro"/>
+                <a:sym typeface="Source Code Pro"/>
+              </a:rPr>
+              <a:t>addu</a:t>
+            </a:r>
+            <a:r>
+              <a:rPr lang="en" sz="1200" dirty="0">
+                <a:latin typeface="Source Code Pro"/>
+                <a:ea typeface="Source Code Pro"/>
+                <a:cs typeface="Source Code Pro"/>
+                <a:sym typeface="Source Code Pro"/>
+              </a:rPr>
+              <a:t> %d, %s, %t</a:t>
+            </a:r>
+            <a:endParaRPr sz="1200" dirty="0">
               <a:latin typeface="Source Code Pro"/>
               <a:ea typeface="Source Code Pro"/>
               <a:cs typeface="Source Code Pro"/>
@@ -18837,15 +18913,33 @@
               <a:buNone/>
             </a:pPr>
             <a:r>
-              <a:rPr lang="en" sz="1200">
+              <a:rPr lang="en" sz="1200" dirty="0">
                 <a:latin typeface="Source Code Pro"/>
                 <a:ea typeface="Source Code Pro"/>
                 <a:cs typeface="Source Code Pro"/>
                 <a:sym typeface="Source Code Pro"/>
               </a:rPr>
-              <a:t>    srl %d, 2</a:t>
-            </a:r>
-            <a:endParaRPr sz="1200">
+              <a:t>    </a:t>
+            </a:r>
+            <a:r>
+              <a:rPr lang="en" sz="1200" dirty="0" err="1">
+                <a:latin typeface="Source Code Pro"/>
+                <a:ea typeface="Source Code Pro"/>
+                <a:cs typeface="Source Code Pro"/>
+                <a:sym typeface="Source Code Pro"/>
+              </a:rPr>
+              <a:t>srl</a:t>
+            </a:r>
+            <a:r>
+              <a:rPr lang="en" sz="1200" dirty="0">
+                <a:latin typeface="Source Code Pro"/>
+                <a:ea typeface="Source Code Pro"/>
+                <a:cs typeface="Source Code Pro"/>
+                <a:sym typeface="Source Code Pro"/>
+              </a:rPr>
+              <a:t> %d, 2</a:t>
+            </a:r>
+            <a:endParaRPr sz="1200" dirty="0">
               <a:latin typeface="Source Code Pro"/>
               <a:ea typeface="Source Code Pro"/>
               <a:cs typeface="Source Code Pro"/>
@@ -18863,15 +18957,24 @@
               <a:buNone/>
             </a:pPr>
             <a:r>
-              <a:rPr lang="en" sz="1200">
+              <a:rPr lang="en" sz="1200" dirty="0">
                 <a:latin typeface="Source Code Pro"/>
                 <a:ea typeface="Source Code Pro"/>
                 <a:cs typeface="Source Code Pro"/>
                 <a:sym typeface="Source Code Pro"/>
               </a:rPr>
-              <a:t>.end_macro</a:t>
-            </a:r>
-            <a:endParaRPr sz="1200">
+              <a:t>.</a:t>
+            </a:r>
+            <a:r>
+              <a:rPr lang="en" sz="1200" dirty="0" err="1">
+                <a:latin typeface="Source Code Pro"/>
+                <a:ea typeface="Source Code Pro"/>
+                <a:cs typeface="Source Code Pro"/>
+                <a:sym typeface="Source Code Pro"/>
+              </a:rPr>
+              <a:t>end_macro</a:t>
+            </a:r>
+            <a:endParaRPr sz="1200" dirty="0">
               <a:latin typeface="Source Code Pro"/>
               <a:ea typeface="Source Code Pro"/>
               <a:cs typeface="Source Code Pro"/>
